--- a/TequilaMockinbirds_Project.pptx
+++ b/TequilaMockinbirds_Project.pptx
@@ -9,11 +9,11 @@
     <p:sldId id="271" r:id="rId3"/>
     <p:sldId id="284" r:id="rId4"/>
     <p:sldId id="288" r:id="rId5"/>
-    <p:sldId id="278" r:id="rId6"/>
-    <p:sldId id="279" r:id="rId7"/>
-    <p:sldId id="280" r:id="rId8"/>
-    <p:sldId id="281" r:id="rId9"/>
-    <p:sldId id="285" r:id="rId10"/>
+    <p:sldId id="285" r:id="rId6"/>
+    <p:sldId id="278" r:id="rId7"/>
+    <p:sldId id="279" r:id="rId8"/>
+    <p:sldId id="280" r:id="rId9"/>
+    <p:sldId id="281" r:id="rId10"/>
     <p:sldId id="286" r:id="rId11"/>
     <p:sldId id="287" r:id="rId12"/>
   </p:sldIdLst>
@@ -5835,10 +5835,10 @@
       </p:grpSpPr>
       <p:sp>
         <p:nvSpPr>
-          <p:cNvPr id="11" name="Rectangle 10">
-            <a:extLst>
-              <a:ext uri="{FF2B5EF4-FFF2-40B4-BE49-F238E27FC236}">
-                <a16:creationId xmlns:a16="http://schemas.microsoft.com/office/drawing/2014/main" id="{823AC064-BC96-4F32-8AE1-B2FD38754823}"/>
+          <p:cNvPr id="33" name="Rectangle 32">
+            <a:extLst>
+              <a:ext uri="{FF2B5EF4-FFF2-40B4-BE49-F238E27FC236}">
+                <a16:creationId xmlns:a16="http://schemas.microsoft.com/office/drawing/2014/main" id="{2A8AA5BC-4F7A-4226-8F99-6D824B226A97}"/>
               </a:ext>
               <a:ext uri="{C183D7F6-B498-43B3-948B-1728B52AA6E4}">
                 <adec:decorative xmlns:adec="http://schemas.microsoft.com/office/drawing/2017/decorative" val="1"/>
@@ -5856,21 +5856,22 @@
             </p:extLst>
           </p:nvPr>
         </p:nvSpPr>
-        <p:spPr bwMode="ltGray">
-          <a:xfrm>
-            <a:off x="396882" y="280374"/>
-            <a:ext cx="11438793" cy="1844256"/>
+        <p:spPr>
+          <a:xfrm>
+            <a:off x="0" y="-3324"/>
+            <a:ext cx="12192000" cy="6861324"/>
           </a:xfrm>
           <a:prstGeom prst="rect">
             <a:avLst/>
           </a:prstGeom>
           <a:solidFill>
-            <a:srgbClr val="404040"/>
+            <a:schemeClr val="tx1">
+              <a:lumMod val="75000"/>
+              <a:lumOff val="25000"/>
+            </a:schemeClr>
           </a:solidFill>
-          <a:ln w="127000" cap="sq" cmpd="thinThick">
-            <a:solidFill>
-              <a:srgbClr val="404040"/>
-            </a:solidFill>
+          <a:ln>
+            <a:noFill/>
           </a:ln>
         </p:spPr>
         <p:style>
@@ -5893,37 +5894,274 @@
           <a:bodyPr rtlCol="0" anchor="ctr"/>
           <a:lstStyle/>
           <a:p>
-            <a:pPr algn="ctr"/>
-            <a:endParaRPr lang="en-US"/>
-          </a:p>
-        </p:txBody>
-      </p:sp>
-      <p:sp>
-        <p:nvSpPr>
-          <p:cNvPr id="4" name="TextBox 3">
-            <a:extLst>
-              <a:ext uri="{FF2B5EF4-FFF2-40B4-BE49-F238E27FC236}">
-                <a16:creationId xmlns:a16="http://schemas.microsoft.com/office/drawing/2014/main" id="{A5D57F71-2113-594D-B750-D338A45CE666}"/>
-              </a:ext>
-            </a:extLst>
-          </p:cNvPr>
-          <p:cNvSpPr txBox="1"/>
-          <p:nvPr/>
+            <a:pPr marL="0" marR="0" lvl="0" indent="0" algn="ctr" defTabSz="914400" rtl="0" eaLnBrk="1" fontAlgn="auto" latinLnBrk="0" hangingPunct="1">
+              <a:lnSpc>
+                <a:spcPct val="100000"/>
+              </a:lnSpc>
+              <a:spcBef>
+                <a:spcPts val="0"/>
+              </a:spcBef>
+              <a:spcAft>
+                <a:spcPts val="0"/>
+              </a:spcAft>
+              <a:buClrTx/>
+              <a:buSzTx/>
+              <a:buFontTx/>
+              <a:buNone/>
+              <a:tabLst/>
+              <a:defRPr/>
+            </a:pPr>
+            <a:endParaRPr kumimoji="0" lang="en-US" sz="1800" b="0" i="0" u="none" strike="noStrike" kern="1200" cap="none" spc="0" normalizeH="0" baseline="0" noProof="0">
+              <a:ln>
+                <a:noFill/>
+              </a:ln>
+              <a:solidFill>
+                <a:prstClr val="white"/>
+              </a:solidFill>
+              <a:effectLst/>
+              <a:uLnTx/>
+              <a:uFillTx/>
+              <a:latin typeface="Calibri" panose="020F0502020204030204"/>
+              <a:ea typeface="+mn-ea"/>
+              <a:cs typeface="+mn-cs"/>
+            </a:endParaRPr>
+          </a:p>
+        </p:txBody>
+      </p:sp>
+      <p:cxnSp>
+        <p:nvCxnSpPr>
+          <p:cNvPr id="35" name="Straight Connector 34">
+            <a:extLst>
+              <a:ext uri="{FF2B5EF4-FFF2-40B4-BE49-F238E27FC236}">
+                <a16:creationId xmlns:a16="http://schemas.microsoft.com/office/drawing/2014/main" id="{911DBBF1-3229-4BD9-B3D1-B4CA571E7431}"/>
+              </a:ext>
+              <a:ext uri="{C183D7F6-B498-43B3-948B-1728B52AA6E4}">
+                <adec:decorative xmlns:adec="http://schemas.microsoft.com/office/drawing/2017/decorative" val="1"/>
+              </a:ext>
+            </a:extLst>
+          </p:cNvPr>
+          <p:cNvCxnSpPr>
+            <a:cxnSpLocks noGrp="1" noRot="1" noChangeAspect="1" noMove="1" noResize="1" noEditPoints="1" noAdjustHandles="1" noChangeArrowheads="1" noChangeShapeType="1"/>
+          </p:cNvCxnSpPr>
+          <p:nvPr>
+            <p:extLst>
+              <p:ext uri="{386F3935-93C4-4BCD-93E2-E3B085C9AB24}">
+                <p16:designElem xmlns:p16="http://schemas.microsoft.com/office/powerpoint/2015/main" val="1"/>
+              </p:ext>
+            </p:extLst>
+          </p:nvPr>
+        </p:nvCxnSpPr>
+        <p:spPr bwMode="white">
+          <a:xfrm>
+            <a:off x="0" y="843625"/>
+            <a:ext cx="12188824" cy="0"/>
+          </a:xfrm>
+          <a:prstGeom prst="line">
+            <a:avLst/>
+          </a:prstGeom>
+          <a:ln w="50800">
+            <a:solidFill>
+              <a:schemeClr val="bg1"/>
+            </a:solidFill>
+          </a:ln>
+        </p:spPr>
+        <p:style>
+          <a:lnRef idx="1">
+            <a:schemeClr val="accent1"/>
+          </a:lnRef>
+          <a:fillRef idx="0">
+            <a:schemeClr val="accent1"/>
+          </a:fillRef>
+          <a:effectRef idx="0">
+            <a:schemeClr val="accent1"/>
+          </a:effectRef>
+          <a:fontRef idx="minor">
+            <a:schemeClr val="tx1"/>
+          </a:fontRef>
+        </p:style>
+      </p:cxnSp>
+      <p:sp>
+        <p:nvSpPr>
+          <p:cNvPr id="37" name="Rectangle 36">
+            <a:extLst>
+              <a:ext uri="{FF2B5EF4-FFF2-40B4-BE49-F238E27FC236}">
+                <a16:creationId xmlns:a16="http://schemas.microsoft.com/office/drawing/2014/main" id="{5BC87C3E-1040-4EE4-9BDB-9537F7A1B335}"/>
+              </a:ext>
+              <a:ext uri="{C183D7F6-B498-43B3-948B-1728B52AA6E4}">
+                <adec:decorative xmlns:adec="http://schemas.microsoft.com/office/drawing/2017/decorative" val="1"/>
+              </a:ext>
+            </a:extLst>
+          </p:cNvPr>
+          <p:cNvSpPr>
+            <a:spLocks noGrp="1" noRot="1" noChangeAspect="1" noMove="1" noResize="1" noEditPoints="1" noAdjustHandles="1" noChangeArrowheads="1" noChangeShapeType="1" noTextEdit="1"/>
+          </p:cNvSpPr>
+          <p:nvPr>
+            <p:extLst>
+              <p:ext uri="{386F3935-93C4-4BCD-93E2-E3B085C9AB24}">
+                <p16:designElem xmlns:p16="http://schemas.microsoft.com/office/powerpoint/2015/main" val="1"/>
+              </p:ext>
+            </p:extLst>
+          </p:nvPr>
         </p:nvSpPr>
         <p:spPr>
           <a:xfrm>
-            <a:off x="546351" y="433545"/>
-            <a:ext cx="11139854" cy="930447"/>
+            <a:off x="3176" y="968282"/>
+            <a:ext cx="12188824" cy="4946904"/>
           </a:xfrm>
           <a:prstGeom prst="rect">
             <a:avLst/>
           </a:prstGeom>
+          <a:solidFill>
+            <a:schemeClr val="bg1"/>
+          </a:solidFill>
+          <a:ln>
+            <a:noFill/>
+          </a:ln>
+        </p:spPr>
+        <p:style>
+          <a:lnRef idx="2">
+            <a:schemeClr val="accent1">
+              <a:shade val="50000"/>
+            </a:schemeClr>
+          </a:lnRef>
+          <a:fillRef idx="1">
+            <a:schemeClr val="accent1"/>
+          </a:fillRef>
+          <a:effectRef idx="0">
+            <a:schemeClr val="accent1"/>
+          </a:effectRef>
+          <a:fontRef idx="minor">
+            <a:schemeClr val="lt1"/>
+          </a:fontRef>
+        </p:style>
+        <p:txBody>
+          <a:bodyPr rtlCol="0" anchor="ctr"/>
+          <a:lstStyle/>
+          <a:p>
+            <a:pPr algn="ctr"/>
+            <a:endParaRPr lang="en-US"/>
+          </a:p>
+        </p:txBody>
+      </p:sp>
+      <p:sp>
+        <p:nvSpPr>
+          <p:cNvPr id="2" name="TextBox 1">
+            <a:extLst>
+              <a:ext uri="{FF2B5EF4-FFF2-40B4-BE49-F238E27FC236}">
+                <a16:creationId xmlns:a16="http://schemas.microsoft.com/office/drawing/2014/main" id="{A355D6DB-D45E-9C49-9E6A-20D8CAF4F0F0}"/>
+              </a:ext>
+            </a:extLst>
+          </p:cNvPr>
+          <p:cNvSpPr txBox="1"/>
+          <p:nvPr/>
+        </p:nvSpPr>
+        <p:spPr>
+          <a:xfrm>
+            <a:off x="-3175" y="968282"/>
+            <a:ext cx="12191999" cy="5046093"/>
+          </a:xfrm>
+          <a:prstGeom prst="rect">
+            <a:avLst/>
+          </a:prstGeom>
+          <a:solidFill>
+            <a:schemeClr val="bg1">
+              <a:alpha val="0"/>
+            </a:schemeClr>
+          </a:solidFill>
         </p:spPr>
         <p:txBody>
           <a:bodyPr vert="horz" lIns="91440" tIns="45720" rIns="91440" bIns="45720" rtlCol="0" anchor="b">
-            <a:normAutofit/>
+            <a:normAutofit fontScale="70000" lnSpcReduction="20000"/>
           </a:bodyPr>
           <a:lstStyle/>
+          <a:p>
+            <a:r>
+              <a:rPr lang="en-US" sz="3600" b="1" dirty="0"/>
+              <a:t>Exploration:</a:t>
+            </a:r>
+          </a:p>
+          <a:p>
+            <a:r>
+              <a:rPr lang="en-US" sz="3600" dirty="0"/>
+              <a:t>	•We planned on doing population by city but all the other datasets were in counties.</a:t>
+            </a:r>
+          </a:p>
+          <a:p>
+            <a:r>
+              <a:rPr lang="en-US" sz="3600" dirty="0"/>
+              <a:t>	•Most up to date data was from 2016.</a:t>
+            </a:r>
+          </a:p>
+          <a:p>
+            <a:endParaRPr lang="en-US" sz="3600" dirty="0"/>
+          </a:p>
+          <a:p>
+            <a:r>
+              <a:rPr lang="en-US" sz="3600" b="1" dirty="0"/>
+              <a:t>Obtaining Datasets:</a:t>
+            </a:r>
+          </a:p>
+          <a:p>
+            <a:r>
+              <a:rPr lang="en-US" sz="3600" dirty="0"/>
+              <a:t>	•</a:t>
+            </a:r>
+            <a:r>
+              <a:rPr lang="en-US" sz="3600" dirty="0" err="1"/>
+              <a:t>Census.gov</a:t>
+            </a:r>
+            <a:r>
+              <a:rPr lang="en-US" sz="3600" dirty="0"/>
+              <a:t> gave us the full datasets for all 4 of the needed topics.</a:t>
+            </a:r>
+          </a:p>
+          <a:p>
+            <a:r>
+              <a:rPr lang="en-US" sz="3600" dirty="0"/>
+              <a:t>	•</a:t>
+            </a:r>
+            <a:r>
+              <a:rPr lang="en-US" sz="3600" dirty="0" err="1"/>
+              <a:t>NAICS.com</a:t>
+            </a:r>
+            <a:r>
+              <a:rPr lang="en-US" sz="3600" dirty="0"/>
+              <a:t> gave us the restaurant code number.</a:t>
+            </a:r>
+          </a:p>
+          <a:p>
+            <a:endParaRPr lang="en-US" sz="3600" dirty="0"/>
+          </a:p>
+          <a:p>
+            <a:r>
+              <a:rPr lang="en-US" sz="3600" b="1" dirty="0"/>
+              <a:t>Cleaning: </a:t>
+            </a:r>
+          </a:p>
+          <a:p>
+            <a:r>
+              <a:rPr lang="en-US" sz="3600" dirty="0"/>
+              <a:t>	•Once the datasets were obtained the biggest issue was formatting all the numbers to 		be the same across all.</a:t>
+            </a:r>
+          </a:p>
+          <a:p>
+            <a:r>
+              <a:rPr lang="en-US" sz="3600" dirty="0"/>
+              <a:t>	•Merging is where all the issues came from.</a:t>
+            </a:r>
+          </a:p>
+          <a:p>
+            <a:r>
+              <a:rPr lang="en-US" sz="3600" dirty="0"/>
+              <a:t>		We had to combine the county and state columns into one column.</a:t>
+            </a:r>
+          </a:p>
+          <a:p>
+            <a:r>
+              <a:rPr lang="en-US" sz="3600" dirty="0"/>
+              <a:t>		When merging all 4 we had to remove all the spaces in the “Location” column.</a:t>
+            </a:r>
+          </a:p>
           <a:p>
             <a:pPr algn="ctr">
               <a:lnSpc>
@@ -5936,26 +6174,23 @@
                 <a:spcPts val="600"/>
               </a:spcAft>
             </a:pPr>
-            <a:r>
-              <a:rPr lang="en-US" sz="3000" b="1" dirty="0">
-                <a:solidFill>
-                  <a:srgbClr val="FFFFFF"/>
-                </a:solidFill>
-                <a:latin typeface="+mj-lt"/>
-                <a:ea typeface="+mj-ea"/>
-                <a:cs typeface="+mj-cs"/>
-              </a:rPr>
-              <a:t>Can the number of restaurants in a county be a predictor of that county’s economic standing?</a:t>
-            </a:r>
+            <a:endParaRPr lang="en-US" sz="3100" kern="1200" dirty="0">
+              <a:solidFill>
+                <a:schemeClr val="tx1"/>
+              </a:solidFill>
+              <a:latin typeface="+mj-lt"/>
+              <a:ea typeface="+mj-ea"/>
+              <a:cs typeface="+mj-cs"/>
+            </a:endParaRPr>
           </a:p>
         </p:txBody>
       </p:sp>
       <p:cxnSp>
         <p:nvCxnSpPr>
-          <p:cNvPr id="13" name="Straight Connector 12">
-            <a:extLst>
-              <a:ext uri="{FF2B5EF4-FFF2-40B4-BE49-F238E27FC236}">
-                <a16:creationId xmlns:a16="http://schemas.microsoft.com/office/drawing/2014/main" id="{7E7C77BC-7138-40B1-A15B-20F57A494629}"/>
+          <p:cNvPr id="39" name="Straight Connector 38">
+            <a:extLst>
+              <a:ext uri="{FF2B5EF4-FFF2-40B4-BE49-F238E27FC236}">
+                <a16:creationId xmlns:a16="http://schemas.microsoft.com/office/drawing/2014/main" id="{42CDBECE-872A-4C73-9DC1-BB4E805E2CF5}"/>
               </a:ext>
               <a:ext uri="{C183D7F6-B498-43B3-948B-1728B52AA6E4}">
                 <adec:decorative xmlns:adec="http://schemas.microsoft.com/office/drawing/2017/decorative" val="1"/>
@@ -5975,15 +6210,18 @@
         </p:nvCxnSpPr>
         <p:spPr>
           <a:xfrm>
-            <a:off x="2230078" y="1522292"/>
-            <a:ext cx="7772400" cy="0"/>
+            <a:off x="4724400" y="3894594"/>
+            <a:ext cx="2743200" cy="0"/>
           </a:xfrm>
           <a:prstGeom prst="line">
             <a:avLst/>
           </a:prstGeom>
-          <a:ln w="22225">
+          <a:ln w="19050">
             <a:solidFill>
-              <a:srgbClr val="D9D9D9"/>
+              <a:schemeClr val="tx1">
+                <a:lumMod val="50000"/>
+                <a:lumOff val="50000"/>
+              </a:schemeClr>
             </a:solidFill>
           </a:ln>
         </p:spPr>
@@ -6002,42 +6240,12 @@
           </a:fontRef>
         </p:style>
       </p:cxnSp>
-      <p:pic>
-        <p:nvPicPr>
-          <p:cNvPr id="6" name="Picture 5" descr="A screenshot of a cell phone&#10;&#10;Description automatically generated">
-            <a:extLst>
-              <a:ext uri="{FF2B5EF4-FFF2-40B4-BE49-F238E27FC236}">
-                <a16:creationId xmlns:a16="http://schemas.microsoft.com/office/drawing/2014/main" id="{31424F92-4D15-8B47-B4AB-CC5CEC0F1E03}"/>
-              </a:ext>
-            </a:extLst>
-          </p:cNvPr>
-          <p:cNvPicPr>
-            <a:picLocks noChangeAspect="1"/>
-          </p:cNvPicPr>
-          <p:nvPr/>
-        </p:nvPicPr>
-        <p:blipFill>
-          <a:blip r:embed="rId2"/>
-          <a:stretch>
-            <a:fillRect/>
-          </a:stretch>
-        </p:blipFill>
-        <p:spPr>
-          <a:xfrm>
-            <a:off x="6379758" y="2596835"/>
-            <a:ext cx="5455917" cy="3827620"/>
-          </a:xfrm>
-          <a:prstGeom prst="rect">
-            <a:avLst/>
-          </a:prstGeom>
-        </p:spPr>
-      </p:pic>
       <p:cxnSp>
         <p:nvCxnSpPr>
-          <p:cNvPr id="15" name="Straight Connector 14">
-            <a:extLst>
-              <a:ext uri="{FF2B5EF4-FFF2-40B4-BE49-F238E27FC236}">
-                <a16:creationId xmlns:a16="http://schemas.microsoft.com/office/drawing/2014/main" id="{DB146403-F3D6-484B-B2ED-97F9565D0370}"/>
+          <p:cNvPr id="41" name="Straight Connector 40">
+            <a:extLst>
+              <a:ext uri="{FF2B5EF4-FFF2-40B4-BE49-F238E27FC236}">
+                <a16:creationId xmlns:a16="http://schemas.microsoft.com/office/drawing/2014/main" id="{F5CD5A0B-CDD7-427C-AA42-2EECFDFA1811}"/>
               </a:ext>
               <a:ext uri="{C183D7F6-B498-43B3-948B-1728B52AA6E4}">
                 <adec:decorative xmlns:adec="http://schemas.microsoft.com/office/drawing/2017/decorative" val="1"/>
@@ -6055,17 +6263,17 @@
             </p:extLst>
           </p:nvPr>
         </p:nvCxnSpPr>
-        <p:spPr>
-          <a:xfrm>
-            <a:off x="6116278" y="2596836"/>
-            <a:ext cx="0" cy="3657600"/>
+        <p:spPr bwMode="white">
+          <a:xfrm>
+            <a:off x="0" y="6028863"/>
+            <a:ext cx="12188824" cy="0"/>
           </a:xfrm>
           <a:prstGeom prst="line">
             <a:avLst/>
           </a:prstGeom>
-          <a:ln w="101600" cmpd="dbl">
+          <a:ln w="50800">
             <a:solidFill>
-              <a:srgbClr val="595959"/>
+              <a:schemeClr val="bg1"/>
             </a:solidFill>
           </a:ln>
         </p:spPr>
@@ -6084,70 +6292,10 @@
           </a:fontRef>
         </p:style>
       </p:cxnSp>
-      <p:pic>
-        <p:nvPicPr>
-          <p:cNvPr id="5" name="Picture 4" descr="A screenshot of a cell phone&#10;&#10;Description automatically generated">
-            <a:extLst>
-              <a:ext uri="{FF2B5EF4-FFF2-40B4-BE49-F238E27FC236}">
-                <a16:creationId xmlns:a16="http://schemas.microsoft.com/office/drawing/2014/main" id="{5AEB0685-8AE1-C541-AA5C-E1BA41A1D418}"/>
-              </a:ext>
-            </a:extLst>
-          </p:cNvPr>
-          <p:cNvPicPr>
-            <a:picLocks noChangeAspect="1"/>
-          </p:cNvPicPr>
-          <p:nvPr/>
-        </p:nvPicPr>
-        <p:blipFill>
-          <a:blip r:embed="rId3"/>
-          <a:stretch>
-            <a:fillRect/>
-          </a:stretch>
-        </p:blipFill>
-        <p:spPr>
-          <a:xfrm>
-            <a:off x="356325" y="2596835"/>
-            <a:ext cx="5455917" cy="3513509"/>
-          </a:xfrm>
-          <a:prstGeom prst="rect">
-            <a:avLst/>
-          </a:prstGeom>
-        </p:spPr>
-      </p:pic>
-      <p:pic>
-        <p:nvPicPr>
-          <p:cNvPr id="8" name="Picture 7">
-            <a:extLst>
-              <a:ext uri="{FF2B5EF4-FFF2-40B4-BE49-F238E27FC236}">
-                <a16:creationId xmlns:a16="http://schemas.microsoft.com/office/drawing/2014/main" id="{156F6145-04B4-3148-955D-314A49E9D7BB}"/>
-              </a:ext>
-            </a:extLst>
-          </p:cNvPr>
-          <p:cNvPicPr>
-            <a:picLocks noChangeAspect="1"/>
-          </p:cNvPicPr>
-          <p:nvPr/>
-        </p:nvPicPr>
-        <p:blipFill>
-          <a:blip r:embed="rId4"/>
-          <a:stretch>
-            <a:fillRect/>
-          </a:stretch>
-        </p:blipFill>
-        <p:spPr>
-          <a:xfrm>
-            <a:off x="6911005" y="6038536"/>
-            <a:ext cx="4775200" cy="431800"/>
-          </a:xfrm>
-          <a:prstGeom prst="rect">
-            <a:avLst/>
-          </a:prstGeom>
-        </p:spPr>
-      </p:pic>
     </p:spTree>
     <p:extLst>
       <p:ext uri="{BB962C8B-B14F-4D97-AF65-F5344CB8AC3E}">
-        <p14:creationId xmlns:p14="http://schemas.microsoft.com/office/powerpoint/2010/main" val="1260546748"/>
+        <p14:creationId xmlns:p14="http://schemas.microsoft.com/office/powerpoint/2010/main" val="3409410373"/>
       </p:ext>
     </p:extLst>
   </p:cSld>
@@ -6184,7 +6332,7 @@
       </p:grpSpPr>
       <p:sp>
         <p:nvSpPr>
-          <p:cNvPr id="10" name="Rectangle 9">
+          <p:cNvPr id="11" name="Rectangle 10">
             <a:extLst>
               <a:ext uri="{FF2B5EF4-FFF2-40B4-BE49-F238E27FC236}">
                 <a16:creationId xmlns:a16="http://schemas.microsoft.com/office/drawing/2014/main" id="{823AC064-BC96-4F32-8AE1-B2FD38754823}"/>
@@ -6249,10 +6397,10 @@
       </p:sp>
       <p:sp>
         <p:nvSpPr>
-          <p:cNvPr id="3" name="TextBox 2">
-            <a:extLst>
-              <a:ext uri="{FF2B5EF4-FFF2-40B4-BE49-F238E27FC236}">
-                <a16:creationId xmlns:a16="http://schemas.microsoft.com/office/drawing/2014/main" id="{96092E88-E1E5-094B-A06A-302CE05416B0}"/>
+          <p:cNvPr id="4" name="TextBox 3">
+            <a:extLst>
+              <a:ext uri="{FF2B5EF4-FFF2-40B4-BE49-F238E27FC236}">
+                <a16:creationId xmlns:a16="http://schemas.microsoft.com/office/drawing/2014/main" id="{A5D57F71-2113-594D-B750-D338A45CE666}"/>
               </a:ext>
             </a:extLst>
           </p:cNvPr>
@@ -6286,7 +6434,7 @@
               </a:spcAft>
             </a:pPr>
             <a:r>
-              <a:rPr lang="en-US" sz="3000">
+              <a:rPr lang="en-US" sz="3000" b="1" dirty="0">
                 <a:solidFill>
                   <a:srgbClr val="FFFFFF"/>
                 </a:solidFill>
@@ -6294,14 +6442,14 @@
                 <a:ea typeface="+mj-ea"/>
                 <a:cs typeface="+mj-cs"/>
               </a:rPr>
-              <a:t>Does a county with a higher economic standing have a lower obesity rate?</a:t>
+              <a:t>Can the number of restaurants in a county be a predictor of that county’s economic standing?</a:t>
             </a:r>
           </a:p>
         </p:txBody>
       </p:sp>
       <p:cxnSp>
         <p:nvCxnSpPr>
-          <p:cNvPr id="12" name="Straight Connector 11">
+          <p:cNvPr id="13" name="Straight Connector 12">
             <a:extLst>
               <a:ext uri="{FF2B5EF4-FFF2-40B4-BE49-F238E27FC236}">
                 <a16:creationId xmlns:a16="http://schemas.microsoft.com/office/drawing/2014/main" id="{7E7C77BC-7138-40B1-A15B-20F57A494629}"/>
@@ -6353,10 +6501,10 @@
       </p:cxnSp>
       <p:pic>
         <p:nvPicPr>
-          <p:cNvPr id="4" name="Picture 3" descr="A close up of a map&#10;&#10;Description automatically generated">
-            <a:extLst>
-              <a:ext uri="{FF2B5EF4-FFF2-40B4-BE49-F238E27FC236}">
-                <a16:creationId xmlns:a16="http://schemas.microsoft.com/office/drawing/2014/main" id="{7FA4B06E-1C6F-7641-A267-F74E6792D37C}"/>
+          <p:cNvPr id="6" name="Picture 5" descr="A screenshot of a cell phone&#10;&#10;Description automatically generated">
+            <a:extLst>
+              <a:ext uri="{FF2B5EF4-FFF2-40B4-BE49-F238E27FC236}">
+                <a16:creationId xmlns:a16="http://schemas.microsoft.com/office/drawing/2014/main" id="{31424F92-4D15-8B47-B4AB-CC5CEC0F1E03}"/>
               </a:ext>
             </a:extLst>
           </p:cNvPr>
@@ -6374,7 +6522,7 @@
         <p:spPr>
           <a:xfrm>
             <a:off x="6379758" y="2596835"/>
-            <a:ext cx="5455917" cy="3637277"/>
+            <a:ext cx="5455917" cy="3827620"/>
           </a:xfrm>
           <a:prstGeom prst="rect">
             <a:avLst/>
@@ -6383,7 +6531,7 @@
       </p:pic>
       <p:cxnSp>
         <p:nvCxnSpPr>
-          <p:cNvPr id="14" name="Straight Connector 13">
+          <p:cNvPr id="15" name="Straight Connector 14">
             <a:extLst>
               <a:ext uri="{FF2B5EF4-FFF2-40B4-BE49-F238E27FC236}">
                 <a16:creationId xmlns:a16="http://schemas.microsoft.com/office/drawing/2014/main" id="{DB146403-F3D6-484B-B2ED-97F9565D0370}"/>
@@ -6435,10 +6583,10 @@
       </p:cxnSp>
       <p:pic>
         <p:nvPicPr>
-          <p:cNvPr id="5" name="Picture 4" descr="A close up of a map&#10;&#10;Description automatically generated">
-            <a:extLst>
-              <a:ext uri="{FF2B5EF4-FFF2-40B4-BE49-F238E27FC236}">
-                <a16:creationId xmlns:a16="http://schemas.microsoft.com/office/drawing/2014/main" id="{10CC5D72-38BD-724D-A27F-57CC282EA193}"/>
+          <p:cNvPr id="5" name="Picture 4" descr="A screenshot of a cell phone&#10;&#10;Description automatically generated">
+            <a:extLst>
+              <a:ext uri="{FF2B5EF4-FFF2-40B4-BE49-F238E27FC236}">
+                <a16:creationId xmlns:a16="http://schemas.microsoft.com/office/drawing/2014/main" id="{5AEB0685-8AE1-C541-AA5C-E1BA41A1D418}"/>
               </a:ext>
             </a:extLst>
           </p:cNvPr>
@@ -6455,8 +6603,8 @@
         </p:blipFill>
         <p:spPr>
           <a:xfrm>
-            <a:off x="144286" y="2596836"/>
-            <a:ext cx="5455917" cy="3637277"/>
+            <a:off x="356325" y="2596835"/>
+            <a:ext cx="5455917" cy="3513509"/>
           </a:xfrm>
           <a:prstGeom prst="rect">
             <a:avLst/>
@@ -6465,10 +6613,10 @@
       </p:pic>
       <p:pic>
         <p:nvPicPr>
-          <p:cNvPr id="7" name="Picture 6">
-            <a:extLst>
-              <a:ext uri="{FF2B5EF4-FFF2-40B4-BE49-F238E27FC236}">
-                <a16:creationId xmlns:a16="http://schemas.microsoft.com/office/drawing/2014/main" id="{E6875BC9-1E5B-3D4E-9C25-B51631DC2E10}"/>
+          <p:cNvPr id="8" name="Picture 7">
+            <a:extLst>
+              <a:ext uri="{FF2B5EF4-FFF2-40B4-BE49-F238E27FC236}">
+                <a16:creationId xmlns:a16="http://schemas.microsoft.com/office/drawing/2014/main" id="{156F6145-04B4-3148-955D-314A49E9D7BB}"/>
               </a:ext>
             </a:extLst>
           </p:cNvPr>
@@ -6485,8 +6633,8 @@
         </p:blipFill>
         <p:spPr>
           <a:xfrm>
-            <a:off x="6632354" y="5890503"/>
-            <a:ext cx="5232400" cy="444500"/>
+            <a:off x="6911005" y="6038536"/>
+            <a:ext cx="4775200" cy="431800"/>
           </a:xfrm>
           <a:prstGeom prst="rect">
             <a:avLst/>
@@ -6496,7 +6644,7 @@
     </p:spTree>
     <p:extLst>
       <p:ext uri="{BB962C8B-B14F-4D97-AF65-F5344CB8AC3E}">
-        <p14:creationId xmlns:p14="http://schemas.microsoft.com/office/powerpoint/2010/main" val="1604944441"/>
+        <p14:creationId xmlns:p14="http://schemas.microsoft.com/office/powerpoint/2010/main" val="1260546748"/>
       </p:ext>
     </p:extLst>
   </p:cSld>
@@ -6601,7 +6749,7 @@
           <p:cNvPr id="3" name="TextBox 2">
             <a:extLst>
               <a:ext uri="{FF2B5EF4-FFF2-40B4-BE49-F238E27FC236}">
-                <a16:creationId xmlns:a16="http://schemas.microsoft.com/office/drawing/2014/main" id="{08A51D09-D8EE-7442-9E3E-9F9610EBA6D3}"/>
+                <a16:creationId xmlns:a16="http://schemas.microsoft.com/office/drawing/2014/main" id="{96092E88-E1E5-094B-A06A-302CE05416B0}"/>
               </a:ext>
             </a:extLst>
           </p:cNvPr>
@@ -6643,7 +6791,7 @@
                 <a:ea typeface="+mj-ea"/>
                 <a:cs typeface="+mj-cs"/>
               </a:rPr>
-              <a:t>Is there a correlation between the number of restaurants and obesity percentage?</a:t>
+              <a:t>Does a county with a higher economic standing have a lower obesity rate?</a:t>
             </a:r>
           </a:p>
         </p:txBody>
@@ -6702,10 +6850,10 @@
       </p:cxnSp>
       <p:pic>
         <p:nvPicPr>
-          <p:cNvPr id="4" name="Picture 3" descr="A close up of a logo&#10;&#10;Description automatically generated">
-            <a:extLst>
-              <a:ext uri="{FF2B5EF4-FFF2-40B4-BE49-F238E27FC236}">
-                <a16:creationId xmlns:a16="http://schemas.microsoft.com/office/drawing/2014/main" id="{78036A8F-A0D4-2A4D-852F-1125A4C6A962}"/>
+          <p:cNvPr id="4" name="Picture 3" descr="A close up of a map&#10;&#10;Description automatically generated">
+            <a:extLst>
+              <a:ext uri="{FF2B5EF4-FFF2-40B4-BE49-F238E27FC236}">
+                <a16:creationId xmlns:a16="http://schemas.microsoft.com/office/drawing/2014/main" id="{7FA4B06E-1C6F-7641-A267-F74E6792D37C}"/>
               </a:ext>
             </a:extLst>
           </p:cNvPr>
@@ -6722,7 +6870,7 @@
         </p:blipFill>
         <p:spPr>
           <a:xfrm>
-            <a:off x="331567" y="2606998"/>
+            <a:off x="6379758" y="2596835"/>
             <a:ext cx="5455917" cy="3637277"/>
           </a:xfrm>
           <a:prstGeom prst="rect">
@@ -6784,10 +6932,10 @@
       </p:cxnSp>
       <p:pic>
         <p:nvPicPr>
-          <p:cNvPr id="5" name="Picture 4" descr="A screenshot of a cell phone&#10;&#10;Description automatically generated">
-            <a:extLst>
-              <a:ext uri="{FF2B5EF4-FFF2-40B4-BE49-F238E27FC236}">
-                <a16:creationId xmlns:a16="http://schemas.microsoft.com/office/drawing/2014/main" id="{F31E4DFC-EAA3-B94A-81AD-6F8A633FEBC2}"/>
+          <p:cNvPr id="5" name="Picture 4" descr="A close up of a map&#10;&#10;Description automatically generated">
+            <a:extLst>
+              <a:ext uri="{FF2B5EF4-FFF2-40B4-BE49-F238E27FC236}">
+                <a16:creationId xmlns:a16="http://schemas.microsoft.com/office/drawing/2014/main" id="{10CC5D72-38BD-724D-A27F-57CC282EA193}"/>
               </a:ext>
             </a:extLst>
           </p:cNvPr>
@@ -6796,15 +6944,16 @@
           </p:cNvPicPr>
           <p:nvPr/>
         </p:nvPicPr>
-        <p:blipFill rotWithShape="1">
+        <p:blipFill>
           <a:blip r:embed="rId3"/>
-          <a:srcRect l="25114"/>
-          <a:stretch/>
+          <a:stretch>
+            <a:fillRect/>
+          </a:stretch>
         </p:blipFill>
         <p:spPr>
           <a:xfrm>
-            <a:off x="6174656" y="2432349"/>
-            <a:ext cx="4927593" cy="3637277"/>
+            <a:off x="144286" y="2596836"/>
+            <a:ext cx="5455917" cy="3637277"/>
           </a:xfrm>
           <a:prstGeom prst="rect">
             <a:avLst/>
@@ -6816,7 +6965,7 @@
           <p:cNvPr id="7" name="Picture 6">
             <a:extLst>
               <a:ext uri="{FF2B5EF4-FFF2-40B4-BE49-F238E27FC236}">
-                <a16:creationId xmlns:a16="http://schemas.microsoft.com/office/drawing/2014/main" id="{D4A90935-F6C3-614D-958D-5D34BB9F2C14}"/>
+                <a16:creationId xmlns:a16="http://schemas.microsoft.com/office/drawing/2014/main" id="{E6875BC9-1E5B-3D4E-9C25-B51631DC2E10}"/>
               </a:ext>
             </a:extLst>
           </p:cNvPr>
@@ -6833,8 +6982,8 @@
         </p:blipFill>
         <p:spPr>
           <a:xfrm>
-            <a:off x="6643221" y="6069626"/>
-            <a:ext cx="4927600" cy="508000"/>
+            <a:off x="6632354" y="5890503"/>
+            <a:ext cx="5232400" cy="444500"/>
           </a:xfrm>
           <a:prstGeom prst="rect">
             <a:avLst/>
@@ -6844,7 +6993,7 @@
     </p:spTree>
     <p:extLst>
       <p:ext uri="{BB962C8B-B14F-4D97-AF65-F5344CB8AC3E}">
-        <p14:creationId xmlns:p14="http://schemas.microsoft.com/office/powerpoint/2010/main" val="1114883730"/>
+        <p14:creationId xmlns:p14="http://schemas.microsoft.com/office/powerpoint/2010/main" val="1604944441"/>
       </p:ext>
     </p:extLst>
   </p:cSld>
@@ -6881,7 +7030,7 @@
       </p:grpSpPr>
       <p:sp>
         <p:nvSpPr>
-          <p:cNvPr id="9" name="Rectangle 8">
+          <p:cNvPr id="10" name="Rectangle 9">
             <a:extLst>
               <a:ext uri="{FF2B5EF4-FFF2-40B4-BE49-F238E27FC236}">
                 <a16:creationId xmlns:a16="http://schemas.microsoft.com/office/drawing/2014/main" id="{823AC064-BC96-4F32-8AE1-B2FD38754823}"/>
@@ -6946,14 +7095,14 @@
       </p:sp>
       <p:sp>
         <p:nvSpPr>
-          <p:cNvPr id="2" name="Rectangle 1">
-            <a:extLst>
-              <a:ext uri="{FF2B5EF4-FFF2-40B4-BE49-F238E27FC236}">
-                <a16:creationId xmlns:a16="http://schemas.microsoft.com/office/drawing/2014/main" id="{E24E57A8-A69C-5F41-84B1-A6F155AAB1AF}"/>
-              </a:ext>
-            </a:extLst>
-          </p:cNvPr>
-          <p:cNvSpPr/>
+          <p:cNvPr id="3" name="TextBox 2">
+            <a:extLst>
+              <a:ext uri="{FF2B5EF4-FFF2-40B4-BE49-F238E27FC236}">
+                <a16:creationId xmlns:a16="http://schemas.microsoft.com/office/drawing/2014/main" id="{08A51D09-D8EE-7442-9E3E-9F9610EBA6D3}"/>
+              </a:ext>
+            </a:extLst>
+          </p:cNvPr>
+          <p:cNvSpPr txBox="1"/>
           <p:nvPr/>
         </p:nvSpPr>
         <p:spPr>
@@ -6971,7 +7120,7 @@
           </a:bodyPr>
           <a:lstStyle/>
           <a:p>
-            <a:pPr lvl="1" algn="ctr">
+            <a:pPr algn="ctr">
               <a:lnSpc>
                 <a:spcPct val="90000"/>
               </a:lnSpc>
@@ -6983,7 +7132,7 @@
               </a:spcAft>
             </a:pPr>
             <a:r>
-              <a:rPr lang="en-US" sz="3000" b="1">
+              <a:rPr lang="en-US" sz="3000">
                 <a:solidFill>
                   <a:srgbClr val="FFFFFF"/>
                 </a:solidFill>
@@ -6991,14 +7140,14 @@
                 <a:ea typeface="+mj-ea"/>
                 <a:cs typeface="+mj-cs"/>
               </a:rPr>
-              <a:t>Is there a correlation between population and number of restaurants?</a:t>
+              <a:t>Is there a correlation between the number of restaurants and obesity percentage?</a:t>
             </a:r>
           </a:p>
         </p:txBody>
       </p:sp>
       <p:cxnSp>
         <p:nvCxnSpPr>
-          <p:cNvPr id="11" name="Straight Connector 10">
+          <p:cNvPr id="12" name="Straight Connector 11">
             <a:extLst>
               <a:ext uri="{FF2B5EF4-FFF2-40B4-BE49-F238E27FC236}">
                 <a16:creationId xmlns:a16="http://schemas.microsoft.com/office/drawing/2014/main" id="{7E7C77BC-7138-40B1-A15B-20F57A494629}"/>
@@ -7050,10 +7199,10 @@
       </p:cxnSp>
       <p:pic>
         <p:nvPicPr>
-          <p:cNvPr id="3" name="Picture 2" descr="A screenshot of a cell phone&#10;&#10;Description automatically generated">
-            <a:extLst>
-              <a:ext uri="{FF2B5EF4-FFF2-40B4-BE49-F238E27FC236}">
-                <a16:creationId xmlns:a16="http://schemas.microsoft.com/office/drawing/2014/main" id="{2FF1F4C2-2E16-474B-B8E4-521AEAD07A13}"/>
+          <p:cNvPr id="4" name="Picture 3" descr="A close up of a logo&#10;&#10;Description automatically generated">
+            <a:extLst>
+              <a:ext uri="{FF2B5EF4-FFF2-40B4-BE49-F238E27FC236}">
+                <a16:creationId xmlns:a16="http://schemas.microsoft.com/office/drawing/2014/main" id="{78036A8F-A0D4-2A4D-852F-1125A4C6A962}"/>
               </a:ext>
             </a:extLst>
           </p:cNvPr>
@@ -7080,7 +7229,7 @@
       </p:pic>
       <p:cxnSp>
         <p:nvCxnSpPr>
-          <p:cNvPr id="13" name="Straight Connector 12">
+          <p:cNvPr id="14" name="Straight Connector 13">
             <a:extLst>
               <a:ext uri="{FF2B5EF4-FFF2-40B4-BE49-F238E27FC236}">
                 <a16:creationId xmlns:a16="http://schemas.microsoft.com/office/drawing/2014/main" id="{DB146403-F3D6-484B-B2ED-97F9565D0370}"/>
@@ -7132,10 +7281,10 @@
       </p:cxnSp>
       <p:pic>
         <p:nvPicPr>
-          <p:cNvPr id="4" name="Picture 3" descr="A screenshot of a cell phone&#10;&#10;Description automatically generated">
-            <a:extLst>
-              <a:ext uri="{FF2B5EF4-FFF2-40B4-BE49-F238E27FC236}">
-                <a16:creationId xmlns:a16="http://schemas.microsoft.com/office/drawing/2014/main" id="{D1082AC8-F838-2B44-AD85-6E744AEFCDA7}"/>
+          <p:cNvPr id="5" name="Picture 4" descr="A screenshot of a cell phone&#10;&#10;Description automatically generated">
+            <a:extLst>
+              <a:ext uri="{FF2B5EF4-FFF2-40B4-BE49-F238E27FC236}">
+                <a16:creationId xmlns:a16="http://schemas.microsoft.com/office/drawing/2014/main" id="{F31E4DFC-EAA3-B94A-81AD-6F8A633FEBC2}"/>
               </a:ext>
             </a:extLst>
           </p:cNvPr>
@@ -7144,16 +7293,15 @@
           </p:cNvPicPr>
           <p:nvPr/>
         </p:nvPicPr>
-        <p:blipFill>
+        <p:blipFill rotWithShape="1">
           <a:blip r:embed="rId3"/>
-          <a:stretch>
-            <a:fillRect/>
-          </a:stretch>
+          <a:srcRect l="25114"/>
+          <a:stretch/>
         </p:blipFill>
         <p:spPr>
           <a:xfrm>
-            <a:off x="6445073" y="2606998"/>
-            <a:ext cx="5455917" cy="3637277"/>
+            <a:off x="6174656" y="2432349"/>
+            <a:ext cx="4927593" cy="3637277"/>
           </a:xfrm>
           <a:prstGeom prst="rect">
             <a:avLst/>
@@ -7162,10 +7310,10 @@
       </p:pic>
       <p:pic>
         <p:nvPicPr>
-          <p:cNvPr id="6" name="Picture 5">
-            <a:extLst>
-              <a:ext uri="{FF2B5EF4-FFF2-40B4-BE49-F238E27FC236}">
-                <a16:creationId xmlns:a16="http://schemas.microsoft.com/office/drawing/2014/main" id="{BFF5F228-2D2F-414D-ADD6-39EE1D182DE8}"/>
+          <p:cNvPr id="7" name="Picture 6">
+            <a:extLst>
+              <a:ext uri="{FF2B5EF4-FFF2-40B4-BE49-F238E27FC236}">
+                <a16:creationId xmlns:a16="http://schemas.microsoft.com/office/drawing/2014/main" id="{D4A90935-F6C3-614D-958D-5D34BB9F2C14}"/>
               </a:ext>
             </a:extLst>
           </p:cNvPr>
@@ -7182,8 +7330,8 @@
         </p:blipFill>
         <p:spPr>
           <a:xfrm>
-            <a:off x="7114205" y="6189505"/>
-            <a:ext cx="4572000" cy="469900"/>
+            <a:off x="6643221" y="6069626"/>
+            <a:ext cx="4927600" cy="508000"/>
           </a:xfrm>
           <a:prstGeom prst="rect">
             <a:avLst/>
@@ -7193,7 +7341,7 @@
     </p:spTree>
     <p:extLst>
       <p:ext uri="{BB962C8B-B14F-4D97-AF65-F5344CB8AC3E}">
-        <p14:creationId xmlns:p14="http://schemas.microsoft.com/office/powerpoint/2010/main" val="3690225039"/>
+        <p14:creationId xmlns:p14="http://schemas.microsoft.com/office/powerpoint/2010/main" val="1114883730"/>
       </p:ext>
     </p:extLst>
   </p:cSld>
@@ -7230,10 +7378,10 @@
       </p:grpSpPr>
       <p:sp>
         <p:nvSpPr>
-          <p:cNvPr id="33" name="Rectangle 32">
-            <a:extLst>
-              <a:ext uri="{FF2B5EF4-FFF2-40B4-BE49-F238E27FC236}">
-                <a16:creationId xmlns:a16="http://schemas.microsoft.com/office/drawing/2014/main" id="{2A8AA5BC-4F7A-4226-8F99-6D824B226A97}"/>
+          <p:cNvPr id="9" name="Rectangle 8">
+            <a:extLst>
+              <a:ext uri="{FF2B5EF4-FFF2-40B4-BE49-F238E27FC236}">
+                <a16:creationId xmlns:a16="http://schemas.microsoft.com/office/drawing/2014/main" id="{823AC064-BC96-4F32-8AE1-B2FD38754823}"/>
               </a:ext>
               <a:ext uri="{C183D7F6-B498-43B3-948B-1728B52AA6E4}">
                 <adec:decorative xmlns:adec="http://schemas.microsoft.com/office/drawing/2017/decorative" val="1"/>
@@ -7251,22 +7399,21 @@
             </p:extLst>
           </p:nvPr>
         </p:nvSpPr>
-        <p:spPr>
-          <a:xfrm>
-            <a:off x="0" y="-3324"/>
-            <a:ext cx="12192000" cy="6861324"/>
+        <p:spPr bwMode="ltGray">
+          <a:xfrm>
+            <a:off x="396882" y="280374"/>
+            <a:ext cx="11438793" cy="1844256"/>
           </a:xfrm>
           <a:prstGeom prst="rect">
             <a:avLst/>
           </a:prstGeom>
           <a:solidFill>
-            <a:schemeClr val="tx1">
-              <a:lumMod val="75000"/>
-              <a:lumOff val="25000"/>
-            </a:schemeClr>
+            <a:srgbClr val="404040"/>
           </a:solidFill>
-          <a:ln>
-            <a:noFill/>
+          <a:ln w="127000" cap="sq" cmpd="thinThick">
+            <a:solidFill>
+              <a:srgbClr val="404040"/>
+            </a:solidFill>
           </a:ln>
         </p:spPr>
         <p:style>
@@ -7289,276 +7436,39 @@
           <a:bodyPr rtlCol="0" anchor="ctr"/>
           <a:lstStyle/>
           <a:p>
-            <a:pPr marL="0" marR="0" lvl="0" indent="0" algn="ctr" defTabSz="914400" rtl="0" eaLnBrk="1" fontAlgn="auto" latinLnBrk="0" hangingPunct="1">
-              <a:lnSpc>
-                <a:spcPct val="100000"/>
-              </a:lnSpc>
-              <a:spcBef>
-                <a:spcPts val="0"/>
-              </a:spcBef>
-              <a:spcAft>
-                <a:spcPts val="0"/>
-              </a:spcAft>
-              <a:buClrTx/>
-              <a:buSzTx/>
-              <a:buFontTx/>
-              <a:buNone/>
-              <a:tabLst/>
-              <a:defRPr/>
-            </a:pPr>
-            <a:endParaRPr kumimoji="0" lang="en-US" sz="1800" b="0" i="0" u="none" strike="noStrike" kern="1200" cap="none" spc="0" normalizeH="0" baseline="0" noProof="0">
-              <a:ln>
-                <a:noFill/>
-              </a:ln>
-              <a:solidFill>
-                <a:prstClr val="white"/>
-              </a:solidFill>
-              <a:effectLst/>
-              <a:uLnTx/>
-              <a:uFillTx/>
-              <a:latin typeface="Calibri" panose="020F0502020204030204"/>
-              <a:ea typeface="+mn-ea"/>
-              <a:cs typeface="+mn-cs"/>
-            </a:endParaRPr>
-          </a:p>
-        </p:txBody>
-      </p:sp>
-      <p:cxnSp>
-        <p:nvCxnSpPr>
-          <p:cNvPr id="35" name="Straight Connector 34">
-            <a:extLst>
-              <a:ext uri="{FF2B5EF4-FFF2-40B4-BE49-F238E27FC236}">
-                <a16:creationId xmlns:a16="http://schemas.microsoft.com/office/drawing/2014/main" id="{911DBBF1-3229-4BD9-B3D1-B4CA571E7431}"/>
-              </a:ext>
-              <a:ext uri="{C183D7F6-B498-43B3-948B-1728B52AA6E4}">
-                <adec:decorative xmlns:adec="http://schemas.microsoft.com/office/drawing/2017/decorative" val="1"/>
-              </a:ext>
-            </a:extLst>
-          </p:cNvPr>
-          <p:cNvCxnSpPr>
-            <a:cxnSpLocks noGrp="1" noRot="1" noChangeAspect="1" noMove="1" noResize="1" noEditPoints="1" noAdjustHandles="1" noChangeArrowheads="1" noChangeShapeType="1"/>
-          </p:cNvCxnSpPr>
-          <p:nvPr>
-            <p:extLst>
-              <p:ext uri="{386F3935-93C4-4BCD-93E2-E3B085C9AB24}">
-                <p16:designElem xmlns:p16="http://schemas.microsoft.com/office/powerpoint/2015/main" val="1"/>
-              </p:ext>
-            </p:extLst>
-          </p:nvPr>
-        </p:nvCxnSpPr>
-        <p:spPr bwMode="white">
-          <a:xfrm>
-            <a:off x="0" y="843625"/>
-            <a:ext cx="12188824" cy="0"/>
-          </a:xfrm>
-          <a:prstGeom prst="line">
-            <a:avLst/>
-          </a:prstGeom>
-          <a:ln w="50800">
-            <a:solidFill>
-              <a:schemeClr val="bg1"/>
-            </a:solidFill>
-          </a:ln>
-        </p:spPr>
-        <p:style>
-          <a:lnRef idx="1">
-            <a:schemeClr val="accent1"/>
-          </a:lnRef>
-          <a:fillRef idx="0">
-            <a:schemeClr val="accent1"/>
-          </a:fillRef>
-          <a:effectRef idx="0">
-            <a:schemeClr val="accent1"/>
-          </a:effectRef>
-          <a:fontRef idx="minor">
-            <a:schemeClr val="tx1"/>
-          </a:fontRef>
-        </p:style>
-      </p:cxnSp>
-      <p:sp>
-        <p:nvSpPr>
-          <p:cNvPr id="37" name="Rectangle 36">
-            <a:extLst>
-              <a:ext uri="{FF2B5EF4-FFF2-40B4-BE49-F238E27FC236}">
-                <a16:creationId xmlns:a16="http://schemas.microsoft.com/office/drawing/2014/main" id="{5BC87C3E-1040-4EE4-9BDB-9537F7A1B335}"/>
-              </a:ext>
-              <a:ext uri="{C183D7F6-B498-43B3-948B-1728B52AA6E4}">
-                <adec:decorative xmlns:adec="http://schemas.microsoft.com/office/drawing/2017/decorative" val="1"/>
-              </a:ext>
-            </a:extLst>
-          </p:cNvPr>
-          <p:cNvSpPr>
-            <a:spLocks noGrp="1" noRot="1" noChangeAspect="1" noMove="1" noResize="1" noEditPoints="1" noAdjustHandles="1" noChangeArrowheads="1" noChangeShapeType="1" noTextEdit="1"/>
-          </p:cNvSpPr>
-          <p:nvPr>
-            <p:extLst>
-              <p:ext uri="{386F3935-93C4-4BCD-93E2-E3B085C9AB24}">
-                <p16:designElem xmlns:p16="http://schemas.microsoft.com/office/powerpoint/2015/main" val="1"/>
-              </p:ext>
-            </p:extLst>
-          </p:nvPr>
+            <a:pPr algn="ctr"/>
+            <a:endParaRPr lang="en-US"/>
+          </a:p>
+        </p:txBody>
+      </p:sp>
+      <p:sp>
+        <p:nvSpPr>
+          <p:cNvPr id="2" name="Rectangle 1">
+            <a:extLst>
+              <a:ext uri="{FF2B5EF4-FFF2-40B4-BE49-F238E27FC236}">
+                <a16:creationId xmlns:a16="http://schemas.microsoft.com/office/drawing/2014/main" id="{E24E57A8-A69C-5F41-84B1-A6F155AAB1AF}"/>
+              </a:ext>
+            </a:extLst>
+          </p:cNvPr>
+          <p:cNvSpPr/>
+          <p:nvPr/>
         </p:nvSpPr>
         <p:spPr>
           <a:xfrm>
-            <a:off x="3176" y="968282"/>
-            <a:ext cx="12188824" cy="4946904"/>
+            <a:off x="546351" y="433545"/>
+            <a:ext cx="11139854" cy="930447"/>
           </a:xfrm>
           <a:prstGeom prst="rect">
             <a:avLst/>
           </a:prstGeom>
-          <a:solidFill>
-            <a:schemeClr val="bg1"/>
-          </a:solidFill>
-          <a:ln>
-            <a:noFill/>
-          </a:ln>
-        </p:spPr>
-        <p:style>
-          <a:lnRef idx="2">
-            <a:schemeClr val="accent1">
-              <a:shade val="50000"/>
-            </a:schemeClr>
-          </a:lnRef>
-          <a:fillRef idx="1">
-            <a:schemeClr val="accent1"/>
-          </a:fillRef>
-          <a:effectRef idx="0">
-            <a:schemeClr val="accent1"/>
-          </a:effectRef>
-          <a:fontRef idx="minor">
-            <a:schemeClr val="lt1"/>
-          </a:fontRef>
-        </p:style>
-        <p:txBody>
-          <a:bodyPr rtlCol="0" anchor="ctr"/>
-          <a:lstStyle/>
-          <a:p>
-            <a:pPr algn="ctr"/>
-            <a:endParaRPr lang="en-US"/>
-          </a:p>
-        </p:txBody>
-      </p:sp>
-      <p:sp>
-        <p:nvSpPr>
-          <p:cNvPr id="2" name="TextBox 1">
-            <a:extLst>
-              <a:ext uri="{FF2B5EF4-FFF2-40B4-BE49-F238E27FC236}">
-                <a16:creationId xmlns:a16="http://schemas.microsoft.com/office/drawing/2014/main" id="{A355D6DB-D45E-9C49-9E6A-20D8CAF4F0F0}"/>
-              </a:ext>
-            </a:extLst>
-          </p:cNvPr>
-          <p:cNvSpPr txBox="1"/>
-          <p:nvPr/>
-        </p:nvSpPr>
-        <p:spPr>
-          <a:xfrm>
-            <a:off x="-3175" y="968282"/>
-            <a:ext cx="12191999" cy="5046093"/>
-          </a:xfrm>
-          <a:prstGeom prst="rect">
-            <a:avLst/>
-          </a:prstGeom>
-          <a:solidFill>
-            <a:schemeClr val="bg1">
-              <a:alpha val="0"/>
-            </a:schemeClr>
-          </a:solidFill>
         </p:spPr>
         <p:txBody>
           <a:bodyPr vert="horz" lIns="91440" tIns="45720" rIns="91440" bIns="45720" rtlCol="0" anchor="b">
-            <a:normAutofit fontScale="70000" lnSpcReduction="20000"/>
+            <a:normAutofit/>
           </a:bodyPr>
           <a:lstStyle/>
           <a:p>
-            <a:r>
-              <a:rPr lang="en-US" sz="3600" b="1" dirty="0"/>
-              <a:t>Exploration:</a:t>
-            </a:r>
-          </a:p>
-          <a:p>
-            <a:r>
-              <a:rPr lang="en-US" sz="3600" dirty="0"/>
-              <a:t>	•We planned on doing population by city but all the other datasets were in counties.</a:t>
-            </a:r>
-          </a:p>
-          <a:p>
-            <a:r>
-              <a:rPr lang="en-US" sz="3600" dirty="0"/>
-              <a:t>	•Most up to date data was from 2016.</a:t>
-            </a:r>
-          </a:p>
-          <a:p>
-            <a:endParaRPr lang="en-US" sz="3600" dirty="0"/>
-          </a:p>
-          <a:p>
-            <a:r>
-              <a:rPr lang="en-US" sz="3600" b="1" dirty="0"/>
-              <a:t>Obtaining Datasets:</a:t>
-            </a:r>
-          </a:p>
-          <a:p>
-            <a:r>
-              <a:rPr lang="en-US" sz="3600" dirty="0"/>
-              <a:t>	•</a:t>
-            </a:r>
-            <a:r>
-              <a:rPr lang="en-US" sz="3600" dirty="0" err="1"/>
-              <a:t>Census.gov</a:t>
-            </a:r>
-            <a:r>
-              <a:rPr lang="en-US" sz="3600" dirty="0"/>
-              <a:t> gave us the full datasets for all 4 of the needed topics.</a:t>
-            </a:r>
-          </a:p>
-          <a:p>
-            <a:r>
-              <a:rPr lang="en-US" sz="3600" dirty="0"/>
-              <a:t>	•</a:t>
-            </a:r>
-            <a:r>
-              <a:rPr lang="en-US" sz="3600" dirty="0" err="1"/>
-              <a:t>NAICS.com</a:t>
-            </a:r>
-            <a:r>
-              <a:rPr lang="en-US" sz="3600" dirty="0"/>
-              <a:t> gave us the restaurant code number.</a:t>
-            </a:r>
-          </a:p>
-          <a:p>
-            <a:endParaRPr lang="en-US" sz="3600" dirty="0"/>
-          </a:p>
-          <a:p>
-            <a:r>
-              <a:rPr lang="en-US" sz="3600" b="1" dirty="0"/>
-              <a:t>Cleaning: </a:t>
-            </a:r>
-          </a:p>
-          <a:p>
-            <a:r>
-              <a:rPr lang="en-US" sz="3600" dirty="0"/>
-              <a:t>	•Once the datasets were obtained the biggest issue was formatting all the numbers to 		be the same across all.</a:t>
-            </a:r>
-          </a:p>
-          <a:p>
-            <a:r>
-              <a:rPr lang="en-US" sz="3600" dirty="0"/>
-              <a:t>	•Merging is where all the issues came from.</a:t>
-            </a:r>
-          </a:p>
-          <a:p>
-            <a:r>
-              <a:rPr lang="en-US" sz="3600" dirty="0"/>
-              <a:t>		We had to combine the county and state columns into one column.</a:t>
-            </a:r>
-          </a:p>
-          <a:p>
-            <a:r>
-              <a:rPr lang="en-US" sz="3600" dirty="0"/>
-              <a:t>		When merging all 4 we had to remove all the spaces in the “Location” column.</a:t>
-            </a:r>
-          </a:p>
-          <a:p>
-            <a:pPr algn="ctr">
+            <a:pPr lvl="1" algn="ctr">
               <a:lnSpc>
                 <a:spcPct val="90000"/>
               </a:lnSpc>
@@ -7569,23 +7479,26 @@
                 <a:spcPts val="600"/>
               </a:spcAft>
             </a:pPr>
-            <a:endParaRPr lang="en-US" sz="3100" kern="1200" dirty="0">
-              <a:solidFill>
-                <a:schemeClr val="tx1"/>
-              </a:solidFill>
-              <a:latin typeface="+mj-lt"/>
-              <a:ea typeface="+mj-ea"/>
-              <a:cs typeface="+mj-cs"/>
-            </a:endParaRPr>
+            <a:r>
+              <a:rPr lang="en-US" sz="3000" b="1">
+                <a:solidFill>
+                  <a:srgbClr val="FFFFFF"/>
+                </a:solidFill>
+                <a:latin typeface="+mj-lt"/>
+                <a:ea typeface="+mj-ea"/>
+                <a:cs typeface="+mj-cs"/>
+              </a:rPr>
+              <a:t>Is there a correlation between population and number of restaurants?</a:t>
+            </a:r>
           </a:p>
         </p:txBody>
       </p:sp>
       <p:cxnSp>
         <p:nvCxnSpPr>
-          <p:cNvPr id="39" name="Straight Connector 38">
-            <a:extLst>
-              <a:ext uri="{FF2B5EF4-FFF2-40B4-BE49-F238E27FC236}">
-                <a16:creationId xmlns:a16="http://schemas.microsoft.com/office/drawing/2014/main" id="{42CDBECE-872A-4C73-9DC1-BB4E805E2CF5}"/>
+          <p:cNvPr id="11" name="Straight Connector 10">
+            <a:extLst>
+              <a:ext uri="{FF2B5EF4-FFF2-40B4-BE49-F238E27FC236}">
+                <a16:creationId xmlns:a16="http://schemas.microsoft.com/office/drawing/2014/main" id="{7E7C77BC-7138-40B1-A15B-20F57A494629}"/>
               </a:ext>
               <a:ext uri="{C183D7F6-B498-43B3-948B-1728B52AA6E4}">
                 <adec:decorative xmlns:adec="http://schemas.microsoft.com/office/drawing/2017/decorative" val="1"/>
@@ -7605,18 +7518,15 @@
         </p:nvCxnSpPr>
         <p:spPr>
           <a:xfrm>
-            <a:off x="4724400" y="3894594"/>
-            <a:ext cx="2743200" cy="0"/>
+            <a:off x="2230078" y="1522292"/>
+            <a:ext cx="7772400" cy="0"/>
           </a:xfrm>
           <a:prstGeom prst="line">
             <a:avLst/>
           </a:prstGeom>
-          <a:ln w="19050">
+          <a:ln w="22225">
             <a:solidFill>
-              <a:schemeClr val="tx1">
-                <a:lumMod val="50000"/>
-                <a:lumOff val="50000"/>
-              </a:schemeClr>
+              <a:srgbClr val="D9D9D9"/>
             </a:solidFill>
           </a:ln>
         </p:spPr>
@@ -7635,12 +7545,42 @@
           </a:fontRef>
         </p:style>
       </p:cxnSp>
+      <p:pic>
+        <p:nvPicPr>
+          <p:cNvPr id="3" name="Picture 2" descr="A screenshot of a cell phone&#10;&#10;Description automatically generated">
+            <a:extLst>
+              <a:ext uri="{FF2B5EF4-FFF2-40B4-BE49-F238E27FC236}">
+                <a16:creationId xmlns:a16="http://schemas.microsoft.com/office/drawing/2014/main" id="{2FF1F4C2-2E16-474B-B8E4-521AEAD07A13}"/>
+              </a:ext>
+            </a:extLst>
+          </p:cNvPr>
+          <p:cNvPicPr>
+            <a:picLocks noChangeAspect="1"/>
+          </p:cNvPicPr>
+          <p:nvPr/>
+        </p:nvPicPr>
+        <p:blipFill>
+          <a:blip r:embed="rId2"/>
+          <a:stretch>
+            <a:fillRect/>
+          </a:stretch>
+        </p:blipFill>
+        <p:spPr>
+          <a:xfrm>
+            <a:off x="331567" y="2606998"/>
+            <a:ext cx="5455917" cy="3637277"/>
+          </a:xfrm>
+          <a:prstGeom prst="rect">
+            <a:avLst/>
+          </a:prstGeom>
+        </p:spPr>
+      </p:pic>
       <p:cxnSp>
         <p:nvCxnSpPr>
-          <p:cNvPr id="41" name="Straight Connector 40">
-            <a:extLst>
-              <a:ext uri="{FF2B5EF4-FFF2-40B4-BE49-F238E27FC236}">
-                <a16:creationId xmlns:a16="http://schemas.microsoft.com/office/drawing/2014/main" id="{F5CD5A0B-CDD7-427C-AA42-2EECFDFA1811}"/>
+          <p:cNvPr id="13" name="Straight Connector 12">
+            <a:extLst>
+              <a:ext uri="{FF2B5EF4-FFF2-40B4-BE49-F238E27FC236}">
+                <a16:creationId xmlns:a16="http://schemas.microsoft.com/office/drawing/2014/main" id="{DB146403-F3D6-484B-B2ED-97F9565D0370}"/>
               </a:ext>
               <a:ext uri="{C183D7F6-B498-43B3-948B-1728B52AA6E4}">
                 <adec:decorative xmlns:adec="http://schemas.microsoft.com/office/drawing/2017/decorative" val="1"/>
@@ -7658,17 +7598,17 @@
             </p:extLst>
           </p:nvPr>
         </p:nvCxnSpPr>
-        <p:spPr bwMode="white">
-          <a:xfrm>
-            <a:off x="0" y="6028863"/>
-            <a:ext cx="12188824" cy="0"/>
+        <p:spPr>
+          <a:xfrm>
+            <a:off x="6116278" y="2596836"/>
+            <a:ext cx="0" cy="3657600"/>
           </a:xfrm>
           <a:prstGeom prst="line">
             <a:avLst/>
           </a:prstGeom>
-          <a:ln w="50800">
+          <a:ln w="101600" cmpd="dbl">
             <a:solidFill>
-              <a:schemeClr val="bg1"/>
+              <a:srgbClr val="595959"/>
             </a:solidFill>
           </a:ln>
         </p:spPr>
@@ -7687,10 +7627,70 @@
           </a:fontRef>
         </p:style>
       </p:cxnSp>
+      <p:pic>
+        <p:nvPicPr>
+          <p:cNvPr id="4" name="Picture 3" descr="A screenshot of a cell phone&#10;&#10;Description automatically generated">
+            <a:extLst>
+              <a:ext uri="{FF2B5EF4-FFF2-40B4-BE49-F238E27FC236}">
+                <a16:creationId xmlns:a16="http://schemas.microsoft.com/office/drawing/2014/main" id="{D1082AC8-F838-2B44-AD85-6E744AEFCDA7}"/>
+              </a:ext>
+            </a:extLst>
+          </p:cNvPr>
+          <p:cNvPicPr>
+            <a:picLocks noChangeAspect="1"/>
+          </p:cNvPicPr>
+          <p:nvPr/>
+        </p:nvPicPr>
+        <p:blipFill>
+          <a:blip r:embed="rId3"/>
+          <a:stretch>
+            <a:fillRect/>
+          </a:stretch>
+        </p:blipFill>
+        <p:spPr>
+          <a:xfrm>
+            <a:off x="6445073" y="2606998"/>
+            <a:ext cx="5455917" cy="3637277"/>
+          </a:xfrm>
+          <a:prstGeom prst="rect">
+            <a:avLst/>
+          </a:prstGeom>
+        </p:spPr>
+      </p:pic>
+      <p:pic>
+        <p:nvPicPr>
+          <p:cNvPr id="6" name="Picture 5">
+            <a:extLst>
+              <a:ext uri="{FF2B5EF4-FFF2-40B4-BE49-F238E27FC236}">
+                <a16:creationId xmlns:a16="http://schemas.microsoft.com/office/drawing/2014/main" id="{BFF5F228-2D2F-414D-ADD6-39EE1D182DE8}"/>
+              </a:ext>
+            </a:extLst>
+          </p:cNvPr>
+          <p:cNvPicPr>
+            <a:picLocks noChangeAspect="1"/>
+          </p:cNvPicPr>
+          <p:nvPr/>
+        </p:nvPicPr>
+        <p:blipFill>
+          <a:blip r:embed="rId4"/>
+          <a:stretch>
+            <a:fillRect/>
+          </a:stretch>
+        </p:blipFill>
+        <p:spPr>
+          <a:xfrm>
+            <a:off x="7114205" y="6189505"/>
+            <a:ext cx="4572000" cy="469900"/>
+          </a:xfrm>
+          <a:prstGeom prst="rect">
+            <a:avLst/>
+          </a:prstGeom>
+        </p:spPr>
+      </p:pic>
     </p:spTree>
     <p:extLst>
       <p:ext uri="{BB962C8B-B14F-4D97-AF65-F5344CB8AC3E}">
-        <p14:creationId xmlns:p14="http://schemas.microsoft.com/office/powerpoint/2010/main" val="3409410373"/>
+        <p14:creationId xmlns:p14="http://schemas.microsoft.com/office/powerpoint/2010/main" val="3690225039"/>
       </p:ext>
     </p:extLst>
   </p:cSld>
